--- a/Courses/Computer-Modeling-and-IT/Computer-Modeling-and-IT-6-Class/03-Information-Storage-and-File-Formats/03-Information-Storage-and-File-Formats.pptx
+++ b/Courses/Computer-Modeling-and-IT/Computer-Modeling-and-IT-6-Class/03-Information-Storage-and-File-Formats/03-Information-Storage-and-File-Formats.pptx
@@ -281,7 +281,7 @@
           <a:p>
             <a:fld id="{4E087215-0C8F-4762-A664-737A353EC9A4}" type="datetimeFigureOut">
               <a:rPr lang="bg-BG" smtClean="0"/>
-              <a:t>23.03.24 г.</a:t>
+              <a:t>13.05.24 г.</a:t>
             </a:fld>
             <a:endParaRPr lang="bg-BG"/>
           </a:p>
@@ -477,7 +477,7 @@
           <a:p>
             <a:fld id="{72D84649-876A-46C9-8472-14CB09C070D8}" type="datetimeFigureOut">
               <a:rPr lang="en-US" smtClean="0"/>
-              <a:t>3/23/24</a:t>
+              <a:t>5/13/24</a:t>
             </a:fld>
             <a:endParaRPr lang="en-US"/>
           </a:p>
@@ -8148,7 +8148,13 @@
       </p:sp>
       <p:pic>
         <p:nvPicPr>
-          <p:cNvPr id="5" name="Picture 4"/>
+          <p:cNvPr id="8" name="Picture 7">
+            <a:extLst>
+              <a:ext uri="{FF2B5EF4-FFF2-40B4-BE49-F238E27FC236}">
+                <a16:creationId xmlns:a16="http://schemas.microsoft.com/office/drawing/2014/main" id="{79F6BC0E-7D49-A7CA-CCFD-A047EE7916D3}"/>
+              </a:ext>
+            </a:extLst>
+          </p:cNvPr>
           <p:cNvPicPr>
             <a:picLocks noChangeAspect="1"/>
           </p:cNvPicPr>
@@ -8162,8 +8168,8 @@
         </p:blipFill>
         <p:spPr>
           <a:xfrm>
-            <a:off x="1396162" y="4374000"/>
-            <a:ext cx="9399677" cy="2048792"/>
+            <a:off x="3342291" y="3717023"/>
+            <a:ext cx="5507417" cy="2948763"/>
           </a:xfrm>
           <a:prstGeom prst="rect">
             <a:avLst/>
@@ -8234,51 +8240,6 @@
                                               <p:pRg st="1" end="1"/>
                                             </p:txEl>
                                           </p:spTgt>
-                                        </p:tgtEl>
-                                        <p:attrNameLst>
-                                          <p:attrName>style.visibility</p:attrName>
-                                        </p:attrNameLst>
-                                      </p:cBhvr>
-                                      <p:to>
-                                        <p:strVal val="visible"/>
-                                      </p:to>
-                                    </p:set>
-                                  </p:childTnLst>
-                                </p:cTn>
-                              </p:par>
-                            </p:childTnLst>
-                          </p:cTn>
-                        </p:par>
-                      </p:childTnLst>
-                    </p:cTn>
-                  </p:par>
-                  <p:par>
-                    <p:cTn id="7" fill="hold">
-                      <p:stCondLst>
-                        <p:cond delay="indefinite"/>
-                      </p:stCondLst>
-                      <p:childTnLst>
-                        <p:par>
-                          <p:cTn id="8" fill="hold">
-                            <p:stCondLst>
-                              <p:cond delay="0"/>
-                            </p:stCondLst>
-                            <p:childTnLst>
-                              <p:par>
-                                <p:cTn id="9" presetID="1" presetClass="entr" presetSubtype="0" fill="hold" nodeType="clickEffect">
-                                  <p:stCondLst>
-                                    <p:cond delay="0"/>
-                                  </p:stCondLst>
-                                  <p:childTnLst>
-                                    <p:set>
-                                      <p:cBhvr>
-                                        <p:cTn id="10" dur="1" fill="hold">
-                                          <p:stCondLst>
-                                            <p:cond delay="0"/>
-                                          </p:stCondLst>
-                                        </p:cTn>
-                                        <p:tgtEl>
-                                          <p:spTgt spid="5"/>
                                         </p:tgtEl>
                                         <p:attrNameLst>
                                           <p:attrName>style.visibility</p:attrName>
@@ -8777,13 +8738,13 @@
         </p:nvSpPr>
         <p:spPr bwMode="auto">
           <a:xfrm>
-            <a:off x="6636000" y="3345267"/>
-            <a:ext cx="4288376" cy="1470992"/>
+            <a:off x="6591000" y="3339000"/>
+            <a:ext cx="4333376" cy="1477259"/>
           </a:xfrm>
           <a:prstGeom prst="wedgeRoundRectCallout">
             <a:avLst>
-              <a:gd name="adj1" fmla="val 2792"/>
-              <a:gd name="adj2" fmla="val 101657"/>
+              <a:gd name="adj1" fmla="val -7335"/>
+              <a:gd name="adj2" fmla="val 91839"/>
               <a:gd name="adj3" fmla="val 16667"/>
             </a:avLst>
           </a:prstGeom>
@@ -8841,7 +8802,7 @@
                   </a:outerShdw>
                 </a:effectLst>
               </a:rPr>
-              <a:t>След името на файла се изписва разширението на файла</a:t>
+              <a:t>След името на файла се изписва неговото разширението</a:t>
             </a:r>
             <a:endParaRPr lang="en-US" sz="2800" b="1" dirty="0">
               <a:solidFill>
@@ -8855,6 +8816,36 @@
                 </a:outerShdw>
               </a:effectLst>
             </a:endParaRPr>
+          </a:p>
+        </p:txBody>
+      </p:sp>
+      <p:sp>
+        <p:nvSpPr>
+          <p:cNvPr id="3" name="Slide Number Placeholder 2">
+            <a:extLst>
+              <a:ext uri="{FF2B5EF4-FFF2-40B4-BE49-F238E27FC236}">
+                <a16:creationId xmlns:a16="http://schemas.microsoft.com/office/drawing/2014/main" id="{ECA1C993-987B-C249-36B7-772D255D89D1}"/>
+              </a:ext>
+            </a:extLst>
+          </p:cNvPr>
+          <p:cNvSpPr>
+            <a:spLocks noGrp="1"/>
+          </p:cNvSpPr>
+          <p:nvPr>
+            <p:ph type="sldNum" sz="quarter" idx="5"/>
+          </p:nvPr>
+        </p:nvSpPr>
+        <p:spPr/>
+        <p:txBody>
+          <a:bodyPr/>
+          <a:lstStyle/>
+          <a:p>
+            <a:fld id="{2BF067CD-8E6B-4360-9AA8-C5DF2A48A6D1}" type="slidenum">
+              <a:rPr lang="en-US" noProof="0" smtClean="0"/>
+              <a:pPr/>
+              <a:t>13</a:t>
+            </a:fld>
+            <a:endParaRPr lang="en-US" noProof="0" dirty="0"/>
           </a:p>
         </p:txBody>
       </p:sp>
@@ -9291,132 +9282,6 @@
               <a:rPr lang="bg-BG" dirty="0"/>
               <a:t>Какво научихме днес?</a:t>
             </a:r>
-            <a:endParaRPr lang="en-US" dirty="0"/>
-          </a:p>
-        </p:txBody>
-      </p:sp>
-      <p:sp>
-        <p:nvSpPr>
-          <p:cNvPr id="6" name="Slide Number Placeholder 5"/>
-          <p:cNvSpPr>
-            <a:spLocks noGrp="1"/>
-          </p:cNvSpPr>
-          <p:nvPr>
-            <p:ph type="sldNum" sz="quarter" idx="13"/>
-          </p:nvPr>
-        </p:nvSpPr>
-        <p:spPr>
-          <a:xfrm>
-            <a:off x="11566412" y="6397196"/>
-            <a:ext cx="428822" cy="308845"/>
-          </a:xfrm>
-          <a:prstGeom prst="rect">
-            <a:avLst/>
-          </a:prstGeom>
-        </p:spPr>
-        <p:txBody>
-          <a:bodyPr vert="horz" lIns="36000" tIns="36000" rIns="36000" bIns="36000" rtlCol="0" anchor="ctr"/>
-          <a:lstStyle>
-            <a:defPPr>
-              <a:defRPr lang="en-US"/>
-            </a:defPPr>
-            <a:lvl1pPr marL="0" algn="r" defTabSz="914400" rtl="0" eaLnBrk="1" latinLnBrk="0" hangingPunct="1">
-              <a:defRPr sz="1000" kern="1200">
-                <a:solidFill>
-                  <a:schemeClr val="tx1"/>
-                </a:solidFill>
-                <a:latin typeface="+mn-lt"/>
-                <a:ea typeface="+mn-ea"/>
-                <a:cs typeface="+mn-cs"/>
-              </a:defRPr>
-            </a:lvl1pPr>
-            <a:lvl2pPr marL="457200" algn="l" defTabSz="914400" rtl="0" eaLnBrk="1" latinLnBrk="0" hangingPunct="1">
-              <a:defRPr sz="1800" kern="1200">
-                <a:solidFill>
-                  <a:schemeClr val="tx1"/>
-                </a:solidFill>
-                <a:latin typeface="+mn-lt"/>
-                <a:ea typeface="+mn-ea"/>
-                <a:cs typeface="+mn-cs"/>
-              </a:defRPr>
-            </a:lvl2pPr>
-            <a:lvl3pPr marL="914400" algn="l" defTabSz="914400" rtl="0" eaLnBrk="1" latinLnBrk="0" hangingPunct="1">
-              <a:defRPr sz="1800" kern="1200">
-                <a:solidFill>
-                  <a:schemeClr val="tx1"/>
-                </a:solidFill>
-                <a:latin typeface="+mn-lt"/>
-                <a:ea typeface="+mn-ea"/>
-                <a:cs typeface="+mn-cs"/>
-              </a:defRPr>
-            </a:lvl3pPr>
-            <a:lvl4pPr marL="1371600" algn="l" defTabSz="914400" rtl="0" eaLnBrk="1" latinLnBrk="0" hangingPunct="1">
-              <a:defRPr sz="1800" kern="1200">
-                <a:solidFill>
-                  <a:schemeClr val="tx1"/>
-                </a:solidFill>
-                <a:latin typeface="+mn-lt"/>
-                <a:ea typeface="+mn-ea"/>
-                <a:cs typeface="+mn-cs"/>
-              </a:defRPr>
-            </a:lvl4pPr>
-            <a:lvl5pPr marL="1828800" algn="l" defTabSz="914400" rtl="0" eaLnBrk="1" latinLnBrk="0" hangingPunct="1">
-              <a:defRPr sz="1800" kern="1200">
-                <a:solidFill>
-                  <a:schemeClr val="tx1"/>
-                </a:solidFill>
-                <a:latin typeface="+mn-lt"/>
-                <a:ea typeface="+mn-ea"/>
-                <a:cs typeface="+mn-cs"/>
-              </a:defRPr>
-            </a:lvl5pPr>
-            <a:lvl6pPr marL="2286000" algn="l" defTabSz="914400" rtl="0" eaLnBrk="1" latinLnBrk="0" hangingPunct="1">
-              <a:defRPr sz="1800" kern="1200">
-                <a:solidFill>
-                  <a:schemeClr val="tx1"/>
-                </a:solidFill>
-                <a:latin typeface="+mn-lt"/>
-                <a:ea typeface="+mn-ea"/>
-                <a:cs typeface="+mn-cs"/>
-              </a:defRPr>
-            </a:lvl6pPr>
-            <a:lvl7pPr marL="2743200" algn="l" defTabSz="914400" rtl="0" eaLnBrk="1" latinLnBrk="0" hangingPunct="1">
-              <a:defRPr sz="1800" kern="1200">
-                <a:solidFill>
-                  <a:schemeClr val="tx1"/>
-                </a:solidFill>
-                <a:latin typeface="+mn-lt"/>
-                <a:ea typeface="+mn-ea"/>
-                <a:cs typeface="+mn-cs"/>
-              </a:defRPr>
-            </a:lvl7pPr>
-            <a:lvl8pPr marL="3200400" algn="l" defTabSz="914400" rtl="0" eaLnBrk="1" latinLnBrk="0" hangingPunct="1">
-              <a:defRPr sz="1800" kern="1200">
-                <a:solidFill>
-                  <a:schemeClr val="tx1"/>
-                </a:solidFill>
-                <a:latin typeface="+mn-lt"/>
-                <a:ea typeface="+mn-ea"/>
-                <a:cs typeface="+mn-cs"/>
-              </a:defRPr>
-            </a:lvl8pPr>
-            <a:lvl9pPr marL="3657600" algn="l" defTabSz="914400" rtl="0" eaLnBrk="1" latinLnBrk="0" hangingPunct="1">
-              <a:defRPr sz="1800" kern="1200">
-                <a:solidFill>
-                  <a:schemeClr val="tx1"/>
-                </a:solidFill>
-                <a:latin typeface="+mn-lt"/>
-                <a:ea typeface="+mn-ea"/>
-                <a:cs typeface="+mn-cs"/>
-              </a:defRPr>
-            </a:lvl9pPr>
-          </a:lstStyle>
-          <a:p>
-            <a:fld id="{C014DD1E-5D91-48A3-AD6D-45FBA980D106}" type="slidenum">
-              <a:rPr lang="en-US" smtClean="0"/>
-              <a:pPr/>
-              <a:t>14</a:t>
-            </a:fld>
             <a:endParaRPr lang="en-US" dirty="0"/>
           </a:p>
         </p:txBody>
@@ -9823,7 +9688,7 @@
             <a:r>
               <a:rPr lang="ru-RU" sz="3200" b="1" dirty="0">
                 <a:solidFill>
-                  <a:schemeClr val="bg1">
+                  <a:schemeClr val="accent1">
                     <a:lumMod val="60000"/>
                     <a:lumOff val="40000"/>
                   </a:schemeClr>
@@ -9932,24 +9797,21 @@
             </a:endParaRPr>
           </a:p>
           <a:p>
+            <a:pPr>
+              <a:buClr>
+                <a:schemeClr val="bg2"/>
+              </a:buClr>
+            </a:pPr>
             <a:r>
               <a:rPr lang="ru-RU" sz="3200" b="1" dirty="0">
                 <a:solidFill>
-                  <a:schemeClr val="bg2"/>
-                </a:solidFill>
-              </a:rPr>
-              <a:t>͏</a:t>
-            </a:r>
-            <a:r>
-              <a:rPr lang="ru-RU" sz="3200" b="1" dirty="0">
-                <a:solidFill>
-                  <a:schemeClr val="bg1">
+                  <a:schemeClr val="accent1">
                     <a:lumMod val="60000"/>
                     <a:lumOff val="40000"/>
                   </a:schemeClr>
                 </a:solidFill>
               </a:rPr>
-              <a:t>Формат на файл </a:t>
+              <a:t>͏Формат на файл </a:t>
             </a:r>
             <a:r>
               <a:rPr lang="ru-RU" sz="3200" dirty="0">
@@ -10462,7 +10324,7 @@
 </file>
 
 <file path=ppt/slides/slide16.xml><?xml version="1.0" encoding="utf-8"?>
-<p:sld xmlns:a="http://schemas.openxmlformats.org/drawingml/2006/main" xmlns:r="http://schemas.openxmlformats.org/officeDocument/2006/relationships" xmlns:p="http://schemas.openxmlformats.org/presentationml/2006/main">
+<p:sld xmlns:a="http://schemas.openxmlformats.org/drawingml/2006/main" xmlns:r="http://schemas.openxmlformats.org/officeDocument/2006/relationships" xmlns:p="http://schemas.openxmlformats.org/presentationml/2006/main" show="0">
   <p:cSld>
     <p:spTree>
       <p:nvGrpSpPr>
@@ -10833,11 +10695,11 @@
   <p:clrMapOvr>
     <a:masterClrMapping/>
   </p:clrMapOvr>
-  <mc:AlternateContent xmlns:mc="http://schemas.openxmlformats.org/markup-compatibility/2006" xmlns:p14="http://schemas.microsoft.com/office/powerpoint/2010/main">
-    <mc:Choice Requires="p14">
+  <mc:AlternateContent xmlns:mc="http://schemas.openxmlformats.org/markup-compatibility/2006">
+    <mc:Choice xmlns:p14="http://schemas.microsoft.com/office/powerpoint/2010/main" Requires="p14">
       <p:transition spd="slow" p14:dur="2000" advClick="0" advTm="5000"/>
     </mc:Choice>
-    <mc:Fallback xmlns="">
+    <mc:Fallback>
       <p:transition spd="slow" advClick="0" advTm="5000"/>
     </mc:Fallback>
   </mc:AlternateContent>
@@ -11672,6 +11534,36 @@
           </a:prstGeom>
         </p:spPr>
       </p:pic>
+      <p:sp>
+        <p:nvSpPr>
+          <p:cNvPr id="2" name="Slide Number Placeholder 1">
+            <a:extLst>
+              <a:ext uri="{FF2B5EF4-FFF2-40B4-BE49-F238E27FC236}">
+                <a16:creationId xmlns:a16="http://schemas.microsoft.com/office/drawing/2014/main" id="{6C3FE38C-F5FE-DB9B-8C0F-36FB188A6AFD}"/>
+              </a:ext>
+            </a:extLst>
+          </p:cNvPr>
+          <p:cNvSpPr>
+            <a:spLocks noGrp="1"/>
+          </p:cNvSpPr>
+          <p:nvPr>
+            <p:ph type="sldNum" sz="quarter" idx="5"/>
+          </p:nvPr>
+        </p:nvSpPr>
+        <p:spPr/>
+        <p:txBody>
+          <a:bodyPr/>
+          <a:lstStyle/>
+          <a:p>
+            <a:fld id="{2BF067CD-8E6B-4360-9AA8-C5DF2A48A6D1}" type="slidenum">
+              <a:rPr lang="en-US" noProof="0" smtClean="0"/>
+              <a:pPr/>
+              <a:t>4</a:t>
+            </a:fld>
+            <a:endParaRPr lang="en-US" noProof="0" dirty="0"/>
+          </a:p>
+        </p:txBody>
+      </p:sp>
     </p:spTree>
     <p:extLst>
       <p:ext uri="{BB962C8B-B14F-4D97-AF65-F5344CB8AC3E}">
@@ -13387,6 +13279,36 @@
           </a:p>
         </p:txBody>
       </p:sp>
+      <p:sp>
+        <p:nvSpPr>
+          <p:cNvPr id="2" name="Slide Number Placeholder 1">
+            <a:extLst>
+              <a:ext uri="{FF2B5EF4-FFF2-40B4-BE49-F238E27FC236}">
+                <a16:creationId xmlns:a16="http://schemas.microsoft.com/office/drawing/2014/main" id="{CEAE0644-D51A-6FEE-4C3C-754F014837B0}"/>
+              </a:ext>
+            </a:extLst>
+          </p:cNvPr>
+          <p:cNvSpPr>
+            <a:spLocks noGrp="1"/>
+          </p:cNvSpPr>
+          <p:nvPr>
+            <p:ph type="sldNum" sz="quarter" idx="5"/>
+          </p:nvPr>
+        </p:nvSpPr>
+        <p:spPr/>
+        <p:txBody>
+          <a:bodyPr/>
+          <a:lstStyle/>
+          <a:p>
+            <a:fld id="{2BF067CD-8E6B-4360-9AA8-C5DF2A48A6D1}" type="slidenum">
+              <a:rPr lang="en-US" noProof="0" smtClean="0"/>
+              <a:pPr/>
+              <a:t>8</a:t>
+            </a:fld>
+            <a:endParaRPr lang="en-US" noProof="0" dirty="0"/>
+          </a:p>
+        </p:txBody>
+      </p:sp>
     </p:spTree>
     <p:extLst>
       <p:ext uri="{BB962C8B-B14F-4D97-AF65-F5344CB8AC3E}">
@@ -13657,7 +13579,7 @@
           <p:nvPr>
             <p:extLst>
               <p:ext uri="{D42A27DB-BD31-4B8C-83A1-F6EECF244321}">
-                <p14:modId xmlns:p14="http://schemas.microsoft.com/office/powerpoint/2010/main" val="695796513"/>
+                <p14:modId xmlns:p14="http://schemas.microsoft.com/office/powerpoint/2010/main" val="1658920848"/>
               </p:ext>
             </p:extLst>
           </p:nvPr>
@@ -13718,7 +13640,7 @@
                       </a:endParaRPr>
                     </a:p>
                   </a:txBody>
-                  <a:tcPr>
+                  <a:tcPr anchor="ctr">
                     <a:lnL w="12700" cap="flat" cmpd="sng" algn="ctr">
                       <a:solidFill>
                         <a:schemeClr val="tx1"/>
@@ -13789,7 +13711,7 @@
                       </a:endParaRPr>
                     </a:p>
                   </a:txBody>
-                  <a:tcPr>
+                  <a:tcPr anchor="ctr">
                     <a:lnL w="12700" cap="flat" cmpd="sng" algn="ctr">
                       <a:solidFill>
                         <a:schemeClr val="tx1"/>

--- a/Courses/Computer-Modeling-and-IT/Computer-Modeling-and-IT-6-Class/03-Information-Storage-and-File-Formats/03-Information-Storage-and-File-Formats.pptx
+++ b/Courses/Computer-Modeling-and-IT/Computer-Modeling-and-IT-6-Class/03-Information-Storage-and-File-Formats/03-Information-Storage-and-File-Formats.pptx
@@ -281,7 +281,7 @@
           <a:p>
             <a:fld id="{4E087215-0C8F-4762-A664-737A353EC9A4}" type="datetimeFigureOut">
               <a:rPr lang="bg-BG" smtClean="0"/>
-              <a:t>13.05.24 г.</a:t>
+              <a:t>14.1.2025 г.</a:t>
             </a:fld>
             <a:endParaRPr lang="bg-BG"/>
           </a:p>
@@ -477,7 +477,7 @@
           <a:p>
             <a:fld id="{72D84649-876A-46C9-8472-14CB09C070D8}" type="datetimeFigureOut">
               <a:rPr lang="en-US" smtClean="0"/>
-              <a:t>5/13/24</a:t>
+              <a:t>1/14/2025</a:t>
             </a:fld>
             <a:endParaRPr lang="en-US"/>
           </a:p>
@@ -10695,11 +10695,11 @@
   <p:clrMapOvr>
     <a:masterClrMapping/>
   </p:clrMapOvr>
-  <mc:AlternateContent xmlns:mc="http://schemas.openxmlformats.org/markup-compatibility/2006">
-    <mc:Choice xmlns:p14="http://schemas.microsoft.com/office/powerpoint/2010/main" Requires="p14">
+  <mc:AlternateContent xmlns:mc="http://schemas.openxmlformats.org/markup-compatibility/2006" xmlns:p14="http://schemas.microsoft.com/office/powerpoint/2010/main">
+    <mc:Choice Requires="p14">
       <p:transition spd="slow" p14:dur="2000" advClick="0" advTm="5000"/>
     </mc:Choice>
-    <mc:Fallback>
+    <mc:Fallback xmlns="">
       <p:transition spd="slow" advClick="0" advTm="5000"/>
     </mc:Fallback>
   </mc:AlternateContent>
@@ -10875,7 +10875,11 @@
           <a:p>
             <a:r>
               <a:rPr lang="bg-BG" dirty="0"/>
-              <a:t>͏Носители на информация</a:t>
+              <a:t>͏</a:t>
+            </a:r>
+            <a:r>
+              <a:rPr lang="bg-BG" b="1" dirty="0"/>
+              <a:t>Носители на информация</a:t>
             </a:r>
           </a:p>
           <a:p>
